--- a/media/badges.pptx
+++ b/media/badges.pptx
@@ -3239,8 +3239,8 @@
         </p:blipFill>
         <p:spPr bwMode="auto">
           <a:xfrm>
-            <a:off x="1259397" y="1477965"/>
-            <a:ext cx="2373675" cy="847725"/>
+            <a:off x="1177998" y="1477965"/>
+            <a:ext cx="2529906" cy="847725"/>
           </a:xfrm>
           <a:prstGeom prst="rect">
             <a:avLst/>
@@ -3306,7 +3306,7 @@
         </p:nvSpPr>
         <p:spPr>
           <a:xfrm>
-            <a:off x="1911406" y="1549506"/>
+            <a:off x="1907704" y="1529985"/>
             <a:ext cx="1438592" cy="292388"/>
           </a:xfrm>
           <a:prstGeom prst="rect">
@@ -3338,39 +3338,55 @@
       </p:sp>
       <p:sp>
         <p:nvSpPr>
-          <p:cNvPr id="13" name="TextBox 12"/>
-          <p:cNvSpPr txBox="1"/>
+          <p:cNvPr id="10" name="Rectangle 9"/>
+          <p:cNvSpPr/>
           <p:nvPr/>
         </p:nvSpPr>
         <p:spPr>
           <a:xfrm>
-            <a:off x="1911406" y="1793634"/>
-            <a:ext cx="2012522" cy="492443"/>
+            <a:off x="1907704" y="1772880"/>
+            <a:ext cx="1844461" cy="492443"/>
           </a:xfrm>
           <a:prstGeom prst="rect">
             <a:avLst/>
           </a:prstGeom>
           <a:noFill/>
+          <a:ln>
+            <a:noFill/>
+          </a:ln>
         </p:spPr>
-        <p:txBody>
-          <a:bodyPr wrap="square" lIns="0" tIns="0" rIns="0" bIns="0" rtlCol="0">
+        <p:style>
+          <a:lnRef idx="2">
+            <a:schemeClr val="accent1">
+              <a:shade val="50000"/>
+            </a:schemeClr>
+          </a:lnRef>
+          <a:fillRef idx="1">
+            <a:schemeClr val="accent1"/>
+          </a:fillRef>
+          <a:effectRef idx="0">
+            <a:schemeClr val="accent1"/>
+          </a:effectRef>
+          <a:fontRef idx="minor">
+            <a:schemeClr val="lt1"/>
+          </a:fontRef>
+        </p:style>
+        <p:txBody>
+          <a:bodyPr lIns="0" tIns="0" rIns="0" bIns="0" rtlCol="0" anchor="ctr">
             <a:spAutoFit/>
           </a:bodyPr>
           <a:lstStyle/>
           <a:p>
-            <a:r>
-              <a:rPr lang="de-DE" sz="3200" smtClean="0">
-                <a:solidFill>
-                  <a:schemeClr val="bg1"/>
-                </a:solidFill>
-              </a:rPr>
+            <a:pPr>
+              <a:lnSpc>
+                <a:spcPts val="3840"/>
+              </a:lnSpc>
+            </a:pPr>
+            <a:r>
+              <a:rPr lang="de-DE" sz="3200" smtClean="0"/>
               <a:t>Web App</a:t>
             </a:r>
-            <a:endParaRPr lang="en-US" sz="3200">
-              <a:solidFill>
-                <a:schemeClr val="bg1"/>
-              </a:solidFill>
-            </a:endParaRPr>
+            <a:endParaRPr lang="en-US" sz="3200"/>
           </a:p>
         </p:txBody>
       </p:sp>
